--- a/Hướng dẫn sử dụng.pptx
+++ b/Hướng dẫn sử dụng.pptx
@@ -3099,7 +3099,9 @@
         </p:nvSpPr>
         <p:spPr/>
         <p:txBody>
-          <a:bodyPr/>
+          <a:bodyPr>
+            <a:normAutofit lnSpcReduction="10000"/>
+          </a:bodyPr>
           <a:lstStyle/>
           <a:p>
             <a:r>
@@ -3110,8 +3112,39 @@
               <a:rPr lang="vi-VN" smtClean="0">
                 <a:hlinkClick r:id="rId2"/>
               </a:rPr>
-              <a:t>https://www.webharvy.com/download.html</a:t>
-            </a:r>
+              <a:t>https://</a:t>
+            </a:r>
+            <a:r>
+              <a:rPr lang="vi-VN" smtClean="0">
+                <a:hlinkClick r:id="rId2"/>
+              </a:rPr>
+              <a:t>www.webharvy.com/download.html</a:t>
+            </a:r>
+            <a:endParaRPr lang="vi-VN" smtClean="0"/>
+          </a:p>
+          <a:p>
+            <a:endParaRPr lang="vi-VN"/>
+          </a:p>
+          <a:p>
+            <a:pPr>
+              <a:buFont typeface="Wingdings" panose="05000000000000000000" pitchFamily="2" charset="2"/>
+              <a:buChar char="v"/>
+            </a:pPr>
+            <a:r>
+              <a:rPr lang="vi-VN" smtClean="0"/>
+              <a:t>Trong </a:t>
+            </a:r>
+            <a:r>
+              <a:rPr lang="vi-VN"/>
+              <a:t>folder </a:t>
+            </a:r>
+            <a:r>
+              <a:rPr lang="vi-VN" smtClean="0"/>
+              <a:t>Data (Github)</a:t>
+            </a:r>
+            <a:endParaRPr lang="vi-VN"/>
+          </a:p>
+          <a:p>
             <a:endParaRPr lang="vi-VN" smtClean="0"/>
           </a:p>
           <a:p>
@@ -3145,11 +3178,13 @@
               <a:rPr lang="vi-VN" smtClean="0"/>
               <a:t>Tạo database lấy file data.sql </a:t>
             </a:r>
-          </a:p>
-          <a:p>
-            <a:r>
-              <a:rPr lang="vi-VN" smtClean="0"/>
-              <a:t>Sau khi chạy xong xuất ra flie database chọn MySQL</a:t>
+            <a:r>
+              <a:rPr lang="vi-VN" smtClean="0"/>
+              <a:t>Sau </a:t>
+            </a:r>
+            <a:r>
+              <a:rPr lang="vi-VN" smtClean="0"/>
+              <a:t>khi chạy xong xuất ra flie database chọn MySQL</a:t>
             </a:r>
           </a:p>
           <a:p>
@@ -3236,8 +3271,13 @@
           <a:p>
             <a:r>
               <a:rPr lang="vi-VN"/>
-              <a:t>IDE biên dịch và quản lý dự án: Eclipse.</a:t>
-            </a:r>
+              <a:t>IDE biên dịch và quản lý dự án: </a:t>
+            </a:r>
+            <a:r>
+              <a:rPr lang="vi-VN" smtClean="0"/>
+              <a:t>Eclipse 2022 -03</a:t>
+            </a:r>
+            <a:endParaRPr lang="vi-VN"/>
           </a:p>
           <a:p>
             <a:r>
@@ -3322,14 +3362,96 @@
             <p:ph idx="1"/>
           </p:nvPr>
         </p:nvSpPr>
-        <p:spPr/>
-        <p:txBody>
-          <a:bodyPr/>
-          <a:lstStyle/>
-          <a:p>
-            <a:r>
-              <a:rPr lang="vi-VN" smtClean="0"/>
-              <a:t>Chạy class HomePageServlet.java </a:t>
+        <p:spPr>
+          <a:xfrm>
+            <a:off x="757645" y="1690688"/>
+            <a:ext cx="11258006" cy="4351338"/>
+          </a:xfrm>
+        </p:spPr>
+        <p:txBody>
+          <a:bodyPr>
+            <a:normAutofit fontScale="62500" lnSpcReduction="20000"/>
+          </a:bodyPr>
+          <a:lstStyle/>
+          <a:p>
+            <a:r>
+              <a:rPr lang="vi-VN" smtClean="0"/>
+              <a:t>Đưa phần folder Beauty vào trong eclipse </a:t>
+            </a:r>
+          </a:p>
+          <a:p>
+            <a:r>
+              <a:rPr lang="vi-VN" smtClean="0"/>
+              <a:t>Thay đổi username và password của MySq trong class DbCon.java ( /Beauty/src/main/java/connection / DbCon.java )</a:t>
+            </a:r>
+          </a:p>
+          <a:p>
+            <a:pPr marL="0" indent="0">
+              <a:buNone/>
+            </a:pPr>
+            <a:r>
+              <a:rPr lang="vi-VN" smtClean="0"/>
+              <a:t>Trong Sửa trong webapp/Beauty/src/main/webapp/CRUDAccount/account.jsp</a:t>
+            </a:r>
+          </a:p>
+          <a:p>
+            <a:pPr marL="0" indent="0">
+              <a:buNone/>
+            </a:pPr>
+            <a:r>
+              <a:rPr lang="vi-VN" smtClean="0"/>
+              <a:t>Ctrl +X dòng code </a:t>
+            </a:r>
+            <a:r>
+              <a:rPr lang="pt-BR" smtClean="0">
+                <a:hlinkClick r:id="rId2"/>
+              </a:rPr>
+              <a:t>%@</a:t>
+            </a:r>
+            <a:r>
+              <a:rPr lang="pt-BR">
+                <a:hlinkClick r:id="rId2"/>
+              </a:rPr>
+              <a:t>taglib uri=</a:t>
+            </a:r>
+            <a:r>
+              <a:rPr lang="pt-BR" i="1">
+                <a:hlinkClick r:id="rId2"/>
+              </a:rPr>
+              <a:t>"http://java.sun.com/jsp/jstl/core" prefix="</a:t>
+            </a:r>
+            <a:r>
+              <a:rPr lang="pt-BR" i="1">
+                <a:hlinkClick r:id="rId2"/>
+              </a:rPr>
+              <a:t>c</a:t>
+            </a:r>
+            <a:r>
+              <a:rPr lang="pt-BR" i="1" smtClean="0">
+                <a:hlinkClick r:id="rId2"/>
+              </a:rPr>
+              <a:t>"%</a:t>
+            </a:r>
+            <a:endParaRPr lang="vi-VN" i="1" smtClean="0"/>
+          </a:p>
+          <a:p>
+            <a:pPr marL="0" indent="0">
+              <a:buNone/>
+            </a:pPr>
+            <a:r>
+              <a:rPr lang="vi-VN" smtClean="0"/>
+              <a:t>Sau đó Ctrl + C, lưu lại</a:t>
+            </a:r>
+            <a:endParaRPr lang="vi-VN"/>
+          </a:p>
+          <a:p>
+            <a:r>
+              <a:rPr lang="vi-VN" smtClean="0"/>
+              <a:t>Chạy </a:t>
+            </a:r>
+            <a:r>
+              <a:rPr lang="vi-VN" smtClean="0"/>
+              <a:t>class HomePageServlet.java </a:t>
             </a:r>
             <a:r>
               <a:rPr lang="vi-VN"/>
